--- a/lectures/Lecture 1.pptx
+++ b/lectures/Lecture 1.pptx
@@ -5730,9 +5730,6 @@
   <p:clrMapOvr>
     <a:masterClrMapping/>
   </p:clrMapOvr>
-  <p:transition spd="slow">
-    <p:push/>
-  </p:transition>
 </p:sld>
 </file>
 
@@ -5875,7 +5872,7 @@
             <a:effectLst/>
             <a:extLst>
               <a:ext uri="{C572A759-6A51-4108-AA02-DFA0A04FC94B}">
-                <ma14:wrappingTextBoxFlag xmlns:ma14="http://schemas.microsoft.com/office/mac/drawingml/2011/main" xmlns:a14="http://schemas.microsoft.com/office/drawing/2010/main" xmlns:m="http://schemas.openxmlformats.org/officeDocument/2006/math" xmlns="" val="1"/>
+                <ma14:wrappingTextBoxFlag xmlns="" xmlns:m="http://schemas.openxmlformats.org/officeDocument/2006/math" xmlns:a14="http://schemas.microsoft.com/office/drawing/2010/main" xmlns:ma14="http://schemas.microsoft.com/office/mac/drawingml/2011/main" val="1"/>
               </a:ext>
             </a:extLst>
           </p:spPr>
@@ -5996,18 +5993,6 @@
   <p:clrMapOvr>
     <a:masterClrMapping/>
   </p:clrMapOvr>
-  <mc:AlternateContent xmlns:mc="http://schemas.openxmlformats.org/markup-compatibility/2006" xmlns:p14="http://schemas.microsoft.com/office/powerpoint/2010/main">
-    <mc:Choice Requires="p14">
-      <p:transition spd="slow" p14:dur="1200">
-        <p:push/>
-      </p:transition>
-    </mc:Choice>
-    <mc:Fallback xmlns="">
-      <p:transition spd="slow">
-        <p:push/>
-      </p:transition>
-    </mc:Fallback>
-  </mc:AlternateContent>
 </p:sld>
 </file>
 
